--- a/week5/第五回授業課題.pptx
+++ b/week5/第五回授業課題.pptx
@@ -108,6 +108,11 @@
       </a:defRPr>
     </a:lvl9pPr>
   </p:defaultTextStyle>
+  <p:extLst>
+    <p:ext uri="{EFAFB233-063F-42B5-8137-9DF3F51BA10A}">
+      <p15:sldGuideLst xmlns:p15="http://schemas.microsoft.com/office/powerpoint/2012/main"/>
+    </p:ext>
+  </p:extLst>
 </p:presentation>
 </file>
 
@@ -258,7 +263,7 @@
           <a:p>
             <a:fld id="{1CF11025-002A-4AE5-B10A-8D79D7803FD1}" type="datetimeFigureOut">
               <a:rPr kumimoji="1" lang="ja-JP" altLang="en-US" smtClean="0"/>
-              <a:t>2025/5/21</a:t>
+              <a:t>2025/5/26</a:t>
             </a:fld>
             <a:endParaRPr kumimoji="1" lang="ja-JP" altLang="en-US"/>
           </a:p>
@@ -488,7 +493,7 @@
           <a:p>
             <a:fld id="{1CF11025-002A-4AE5-B10A-8D79D7803FD1}" type="datetimeFigureOut">
               <a:rPr kumimoji="1" lang="ja-JP" altLang="en-US" smtClean="0"/>
-              <a:t>2025/5/21</a:t>
+              <a:t>2025/5/26</a:t>
             </a:fld>
             <a:endParaRPr kumimoji="1" lang="ja-JP" altLang="en-US"/>
           </a:p>
@@ -728,7 +733,7 @@
           <a:p>
             <a:fld id="{1CF11025-002A-4AE5-B10A-8D79D7803FD1}" type="datetimeFigureOut">
               <a:rPr kumimoji="1" lang="ja-JP" altLang="en-US" smtClean="0"/>
-              <a:t>2025/5/21</a:t>
+              <a:t>2025/5/26</a:t>
             </a:fld>
             <a:endParaRPr kumimoji="1" lang="ja-JP" altLang="en-US"/>
           </a:p>
@@ -958,7 +963,7 @@
           <a:p>
             <a:fld id="{1CF11025-002A-4AE5-B10A-8D79D7803FD1}" type="datetimeFigureOut">
               <a:rPr kumimoji="1" lang="ja-JP" altLang="en-US" smtClean="0"/>
-              <a:t>2025/5/21</a:t>
+              <a:t>2025/5/26</a:t>
             </a:fld>
             <a:endParaRPr kumimoji="1" lang="ja-JP" altLang="en-US"/>
           </a:p>
@@ -1233,7 +1238,7 @@
           <a:p>
             <a:fld id="{1CF11025-002A-4AE5-B10A-8D79D7803FD1}" type="datetimeFigureOut">
               <a:rPr kumimoji="1" lang="ja-JP" altLang="en-US" smtClean="0"/>
-              <a:t>2025/5/21</a:t>
+              <a:t>2025/5/26</a:t>
             </a:fld>
             <a:endParaRPr kumimoji="1" lang="ja-JP" altLang="en-US"/>
           </a:p>
@@ -1562,7 +1567,7 @@
           <a:p>
             <a:fld id="{1CF11025-002A-4AE5-B10A-8D79D7803FD1}" type="datetimeFigureOut">
               <a:rPr kumimoji="1" lang="ja-JP" altLang="en-US" smtClean="0"/>
-              <a:t>2025/5/21</a:t>
+              <a:t>2025/5/26</a:t>
             </a:fld>
             <a:endParaRPr kumimoji="1" lang="ja-JP" altLang="en-US"/>
           </a:p>
@@ -2038,7 +2043,7 @@
           <a:p>
             <a:fld id="{1CF11025-002A-4AE5-B10A-8D79D7803FD1}" type="datetimeFigureOut">
               <a:rPr kumimoji="1" lang="ja-JP" altLang="en-US" smtClean="0"/>
-              <a:t>2025/5/21</a:t>
+              <a:t>2025/5/26</a:t>
             </a:fld>
             <a:endParaRPr kumimoji="1" lang="ja-JP" altLang="en-US"/>
           </a:p>
@@ -2179,7 +2184,7 @@
           <a:p>
             <a:fld id="{1CF11025-002A-4AE5-B10A-8D79D7803FD1}" type="datetimeFigureOut">
               <a:rPr kumimoji="1" lang="ja-JP" altLang="en-US" smtClean="0"/>
-              <a:t>2025/5/21</a:t>
+              <a:t>2025/5/26</a:t>
             </a:fld>
             <a:endParaRPr kumimoji="1" lang="ja-JP" altLang="en-US"/>
           </a:p>
@@ -2292,7 +2297,7 @@
           <a:p>
             <a:fld id="{1CF11025-002A-4AE5-B10A-8D79D7803FD1}" type="datetimeFigureOut">
               <a:rPr kumimoji="1" lang="ja-JP" altLang="en-US" smtClean="0"/>
-              <a:t>2025/5/21</a:t>
+              <a:t>2025/5/26</a:t>
             </a:fld>
             <a:endParaRPr kumimoji="1" lang="ja-JP" altLang="en-US"/>
           </a:p>
@@ -2635,7 +2640,7 @@
           <a:p>
             <a:fld id="{1CF11025-002A-4AE5-B10A-8D79D7803FD1}" type="datetimeFigureOut">
               <a:rPr kumimoji="1" lang="ja-JP" altLang="en-US" smtClean="0"/>
-              <a:t>2025/5/21</a:t>
+              <a:t>2025/5/26</a:t>
             </a:fld>
             <a:endParaRPr kumimoji="1" lang="ja-JP" altLang="en-US"/>
           </a:p>
@@ -2923,7 +2928,7 @@
           <a:p>
             <a:fld id="{1CF11025-002A-4AE5-B10A-8D79D7803FD1}" type="datetimeFigureOut">
               <a:rPr kumimoji="1" lang="ja-JP" altLang="en-US" smtClean="0"/>
-              <a:t>2025/5/21</a:t>
+              <a:t>2025/5/26</a:t>
             </a:fld>
             <a:endParaRPr kumimoji="1" lang="ja-JP" altLang="en-US"/>
           </a:p>
@@ -3196,7 +3201,7 @@
           <a:p>
             <a:fld id="{1CF11025-002A-4AE5-B10A-8D79D7803FD1}" type="datetimeFigureOut">
               <a:rPr kumimoji="1" lang="ja-JP" altLang="en-US" smtClean="0"/>
-              <a:t>2025/5/21</a:t>
+              <a:t>2025/5/26</a:t>
             </a:fld>
             <a:endParaRPr kumimoji="1" lang="ja-JP" altLang="en-US"/>
           </a:p>
@@ -4868,13 +4873,13 @@
         </p:nvSpPr>
         <p:spPr>
           <a:xfrm>
-            <a:off x="1295400" y="2288834"/>
-            <a:ext cx="4800600" cy="1254380"/>
+            <a:off x="1295400" y="2288833"/>
+            <a:ext cx="4800600" cy="2728437"/>
           </a:xfrm>
         </p:spPr>
         <p:txBody>
           <a:bodyPr vert="horz" lIns="91440" tIns="45720" rIns="91440" bIns="45720" rtlCol="0">
-            <a:normAutofit fontScale="85000" lnSpcReduction="20000"/>
+            <a:normAutofit/>
           </a:bodyPr>
           <a:lstStyle/>
           <a:p>
@@ -5100,7 +5105,7 @@
         </p:nvSpPr>
         <p:spPr>
           <a:xfrm>
-            <a:off x="6628536" y="231041"/>
+            <a:off x="7342803" y="136686"/>
             <a:ext cx="3602393" cy="3311869"/>
           </a:xfrm>
           <a:prstGeom prst="rect">
@@ -5621,6 +5626,14 @@
 <file path=ppt/slides/slide4.xml><?xml version="1.0" encoding="utf-8"?>
 <p:sld xmlns:a="http://schemas.openxmlformats.org/drawingml/2006/main" xmlns:r="http://schemas.openxmlformats.org/officeDocument/2006/relationships" xmlns:p="http://schemas.openxmlformats.org/presentationml/2006/main">
   <p:cSld>
+    <p:bg>
+      <p:bgPr>
+        <a:solidFill>
+          <a:schemeClr val="bg1"/>
+        </a:solidFill>
+        <a:effectLst/>
+      </p:bgPr>
+    </p:bg>
     <p:spTree>
       <p:nvGrpSpPr>
         <p:cNvPr id="1" name=""/>
@@ -5637,96 +5650,297 @@
       </p:grpSpPr>
       <p:sp>
         <p:nvSpPr>
-          <p:cNvPr id="2" name="タイトル 1">
-            <a:extLst>
-              <a:ext uri="{FF2B5EF4-FFF2-40B4-BE49-F238E27FC236}">
-                <a16:creationId xmlns:a16="http://schemas.microsoft.com/office/drawing/2014/main" id="{22D435CF-6323-56F8-5166-A2A63628A604}"/>
-              </a:ext>
-            </a:extLst>
-          </p:cNvPr>
-          <p:cNvSpPr>
-            <a:spLocks noGrp="1"/>
-          </p:cNvSpPr>
-          <p:nvPr>
-            <p:ph type="title"/>
-          </p:nvPr>
-        </p:nvSpPr>
-        <p:spPr/>
-        <p:txBody>
-          <a:bodyPr/>
-          <a:lstStyle/>
-          <a:p>
-            <a:r>
-              <a:rPr kumimoji="1" lang="ja-JP" altLang="en-US" dirty="0"/>
-              <a:t>階層型クラスタリング</a:t>
-            </a:r>
-          </a:p>
-        </p:txBody>
-      </p:sp>
-      <p:sp>
-        <p:nvSpPr>
-          <p:cNvPr id="3" name="コンテンツ プレースホルダー 2">
-            <a:extLst>
-              <a:ext uri="{FF2B5EF4-FFF2-40B4-BE49-F238E27FC236}">
-                <a16:creationId xmlns:a16="http://schemas.microsoft.com/office/drawing/2014/main" id="{3817E2C7-CE37-D6CD-36FD-8E21A5196920}"/>
-              </a:ext>
-            </a:extLst>
-          </p:cNvPr>
-          <p:cNvSpPr>
-            <a:spLocks noGrp="1"/>
-          </p:cNvSpPr>
-          <p:nvPr>
-            <p:ph idx="1"/>
+          <p:cNvPr id="12" name="Rectangle 11">
+            <a:extLst>
+              <a:ext uri="{FF2B5EF4-FFF2-40B4-BE49-F238E27FC236}">
+                <a16:creationId xmlns:a16="http://schemas.microsoft.com/office/drawing/2014/main" id="{FB5B0058-AF13-4859-B429-4EDDE2A26F7F}"/>
+              </a:ext>
+              <a:ext uri="{C183D7F6-B498-43B3-948B-1728B52AA6E4}">
+                <adec:decorative xmlns:adec="http://schemas.microsoft.com/office/drawing/2017/decorative" val="1"/>
+              </a:ext>
+            </a:extLst>
+          </p:cNvPr>
+          <p:cNvSpPr>
+            <a:spLocks noGrp="1" noRot="1" noChangeAspect="1" noMove="1" noResize="1" noEditPoints="1" noAdjustHandles="1" noChangeArrowheads="1" noChangeShapeType="1" noTextEdit="1"/>
+          </p:cNvSpPr>
+          <p:nvPr>
+            <p:extLst>
+              <p:ext uri="{386F3935-93C4-4BCD-93E2-E3B085C9AB24}">
+                <p16:designElem xmlns:p16="http://schemas.microsoft.com/office/powerpoint/2015/main" val="1"/>
+              </p:ext>
+            </p:extLst>
           </p:nvPr>
         </p:nvSpPr>
         <p:spPr>
           <a:xfrm>
-            <a:off x="838200" y="1825626"/>
-            <a:ext cx="10515600" cy="1154642"/>
+            <a:off x="0" y="0"/>
+            <a:ext cx="12192000" cy="6858000"/>
+          </a:xfrm>
+          <a:prstGeom prst="rect">
+            <a:avLst/>
+          </a:prstGeom>
+          <a:solidFill>
+            <a:schemeClr val="tx1">
+              <a:lumMod val="95000"/>
+              <a:lumOff val="5000"/>
+            </a:schemeClr>
+          </a:solidFill>
+          <a:ln>
+            <a:noFill/>
+          </a:ln>
+        </p:spPr>
+        <p:style>
+          <a:lnRef idx="2">
+            <a:schemeClr val="accent1">
+              <a:shade val="50000"/>
+            </a:schemeClr>
+          </a:lnRef>
+          <a:fillRef idx="1">
+            <a:schemeClr val="accent1"/>
+          </a:fillRef>
+          <a:effectRef idx="0">
+            <a:schemeClr val="accent1"/>
+          </a:effectRef>
+          <a:fontRef idx="minor">
+            <a:schemeClr val="lt1"/>
+          </a:fontRef>
+        </p:style>
+        <p:txBody>
+          <a:bodyPr rtlCol="0" anchor="ctr"/>
+          <a:lstStyle/>
+          <a:p>
+            <a:pPr algn="ctr"/>
+            <a:endParaRPr lang="en-US"/>
+          </a:p>
+        </p:txBody>
+      </p:sp>
+      <p:sp>
+        <p:nvSpPr>
+          <p:cNvPr id="2" name="タイトル 1">
+            <a:extLst>
+              <a:ext uri="{FF2B5EF4-FFF2-40B4-BE49-F238E27FC236}">
+                <a16:creationId xmlns:a16="http://schemas.microsoft.com/office/drawing/2014/main" id="{22D435CF-6323-56F8-5166-A2A63628A604}"/>
+              </a:ext>
+            </a:extLst>
+          </p:cNvPr>
+          <p:cNvSpPr>
+            <a:spLocks noGrp="1"/>
+          </p:cNvSpPr>
+          <p:nvPr>
+            <p:ph type="title"/>
+          </p:nvPr>
+        </p:nvSpPr>
+        <p:spPr>
+          <a:xfrm>
+            <a:off x="728663" y="1422400"/>
+            <a:ext cx="5367337" cy="2387600"/>
           </a:xfrm>
         </p:spPr>
         <p:txBody>
-          <a:bodyPr/>
+          <a:bodyPr vert="horz" lIns="91440" tIns="45720" rIns="91440" bIns="45720" rtlCol="0" anchor="b">
+            <a:normAutofit/>
+          </a:bodyPr>
+          <a:lstStyle/>
+          <a:p>
+            <a:r>
+              <a:rPr kumimoji="1" lang="ja-JP" altLang="en-US" sz="5000" kern="1200">
+                <a:solidFill>
+                  <a:schemeClr val="bg1"/>
+                </a:solidFill>
+                <a:latin typeface="+mj-lt"/>
+                <a:ea typeface="+mj-ea"/>
+                <a:cs typeface="+mj-cs"/>
+              </a:rPr>
+              <a:t>階層型クラスタリング</a:t>
+            </a:r>
+          </a:p>
+        </p:txBody>
+      </p:sp>
+      <p:sp>
+        <p:nvSpPr>
+          <p:cNvPr id="3" name="コンテンツ プレースホルダー 2">
+            <a:extLst>
+              <a:ext uri="{FF2B5EF4-FFF2-40B4-BE49-F238E27FC236}">
+                <a16:creationId xmlns:a16="http://schemas.microsoft.com/office/drawing/2014/main" id="{3817E2C7-CE37-D6CD-36FD-8E21A5196920}"/>
+              </a:ext>
+            </a:extLst>
+          </p:cNvPr>
+          <p:cNvSpPr>
+            <a:spLocks noGrp="1"/>
+          </p:cNvSpPr>
+          <p:nvPr>
+            <p:ph idx="1"/>
+          </p:nvPr>
+        </p:nvSpPr>
+        <p:spPr>
+          <a:xfrm>
+            <a:off x="728663" y="3902075"/>
+            <a:ext cx="5367337" cy="1655762"/>
+          </a:xfrm>
+        </p:spPr>
+        <p:txBody>
+          <a:bodyPr vert="horz" lIns="91440" tIns="45720" rIns="91440" bIns="45720" rtlCol="0">
+            <a:normAutofit/>
+          </a:bodyPr>
           <a:lstStyle/>
           <a:p>
             <a:pPr marL="0" indent="0">
               <a:buNone/>
             </a:pPr>
             <a:r>
-              <a:rPr lang="ja-JP" altLang="en-US" dirty="0"/>
+              <a:rPr lang="ja-JP" altLang="en-US" sz="2000" kern="1200">
+                <a:solidFill>
+                  <a:schemeClr val="bg1"/>
+                </a:solidFill>
+                <a:latin typeface="+mn-lt"/>
+                <a:ea typeface="+mn-ea"/>
+                <a:cs typeface="+mn-cs"/>
+              </a:rPr>
               <a:t>サンプルコードを少し改良したもの</a:t>
             </a:r>
             <a:r>
-              <a:rPr lang="en-US" altLang="ja-JP" dirty="0"/>
+              <a:rPr lang="en-US" altLang="ja-JP" sz="2000" kern="1200">
+                <a:solidFill>
+                  <a:schemeClr val="bg1"/>
+                </a:solidFill>
+                <a:latin typeface="+mn-lt"/>
+                <a:ea typeface="+mn-ea"/>
+                <a:cs typeface="+mn-cs"/>
+              </a:rPr>
               <a:t>(</a:t>
             </a:r>
             <a:r>
-              <a:rPr lang="ja-JP" altLang="en-US" dirty="0"/>
+              <a:rPr lang="ja-JP" altLang="en-US" sz="2000" kern="1200">
+                <a:solidFill>
+                  <a:schemeClr val="bg1"/>
+                </a:solidFill>
+                <a:latin typeface="+mn-lt"/>
+                <a:ea typeface="+mn-ea"/>
+                <a:cs typeface="+mn-cs"/>
+              </a:rPr>
               <a:t>値の標準化を追加</a:t>
             </a:r>
             <a:r>
-              <a:rPr lang="en-US" altLang="ja-JP" dirty="0"/>
+              <a:rPr lang="en-US" altLang="ja-JP" sz="2000" kern="1200">
+                <a:solidFill>
+                  <a:schemeClr val="bg1"/>
+                </a:solidFill>
+                <a:latin typeface="+mn-lt"/>
+                <a:ea typeface="+mn-ea"/>
+                <a:cs typeface="+mn-cs"/>
+              </a:rPr>
               <a:t>)</a:t>
             </a:r>
             <a:r>
-              <a:rPr lang="ja-JP" altLang="en-US" dirty="0"/>
+              <a:rPr lang="ja-JP" altLang="en-US" sz="2000" kern="1200">
+                <a:solidFill>
+                  <a:schemeClr val="bg1"/>
+                </a:solidFill>
+                <a:latin typeface="+mn-lt"/>
+                <a:ea typeface="+mn-ea"/>
+                <a:cs typeface="+mn-cs"/>
+              </a:rPr>
               <a:t>にデータを入れて、</a:t>
             </a:r>
             <a:r>
-              <a:rPr lang="en-US" altLang="ja-JP" dirty="0"/>
+              <a:rPr lang="en-US" altLang="ja-JP" sz="2000" kern="1200">
+                <a:solidFill>
+                  <a:schemeClr val="bg1"/>
+                </a:solidFill>
+                <a:latin typeface="+mn-lt"/>
+                <a:ea typeface="+mn-ea"/>
+                <a:cs typeface="+mn-cs"/>
+              </a:rPr>
               <a:t>Dendrogram</a:t>
             </a:r>
             <a:r>
-              <a:rPr lang="ja-JP" altLang="en-US" dirty="0"/>
+              <a:rPr lang="ja-JP" altLang="en-US" sz="2000" kern="1200">
+                <a:solidFill>
+                  <a:schemeClr val="bg1"/>
+                </a:solidFill>
+                <a:latin typeface="+mn-lt"/>
+                <a:ea typeface="+mn-ea"/>
+                <a:cs typeface="+mn-cs"/>
+              </a:rPr>
               <a:t>を出力。</a:t>
             </a:r>
-            <a:endParaRPr kumimoji="1" lang="ja-JP" altLang="en-US" dirty="0"/>
+            <a:endParaRPr kumimoji="1" lang="en-US" altLang="ja-JP" sz="2000" kern="1200">
+              <a:solidFill>
+                <a:schemeClr val="bg1"/>
+              </a:solidFill>
+              <a:latin typeface="+mn-lt"/>
+              <a:ea typeface="+mn-ea"/>
+              <a:cs typeface="+mn-cs"/>
+            </a:endParaRPr>
+          </a:p>
+        </p:txBody>
+      </p:sp>
+      <p:sp>
+        <p:nvSpPr>
+          <p:cNvPr id="14" name="Rectangle 13">
+            <a:extLst>
+              <a:ext uri="{FF2B5EF4-FFF2-40B4-BE49-F238E27FC236}">
+                <a16:creationId xmlns:a16="http://schemas.microsoft.com/office/drawing/2014/main" id="{1A89CBBC-7743-43D9-A324-25CB472E9B2E}"/>
+              </a:ext>
+              <a:ext uri="{C183D7F6-B498-43B3-948B-1728B52AA6E4}">
+                <adec:decorative xmlns:adec="http://schemas.microsoft.com/office/drawing/2017/decorative" val="1"/>
+              </a:ext>
+            </a:extLst>
+          </p:cNvPr>
+          <p:cNvSpPr>
+            <a:spLocks noGrp="1" noRot="1" noChangeAspect="1" noMove="1" noResize="1" noEditPoints="1" noAdjustHandles="1" noChangeArrowheads="1" noChangeShapeType="1" noTextEdit="1"/>
+          </p:cNvSpPr>
+          <p:nvPr>
+            <p:extLst>
+              <p:ext uri="{386F3935-93C4-4BCD-93E2-E3B085C9AB24}">
+                <p16:designElem xmlns:p16="http://schemas.microsoft.com/office/powerpoint/2015/main" val="1"/>
+              </p:ext>
+            </p:extLst>
+          </p:nvPr>
+        </p:nvSpPr>
+        <p:spPr>
+          <a:xfrm>
+            <a:off x="6234112" y="638849"/>
+            <a:ext cx="5505449" cy="5475644"/>
+          </a:xfrm>
+          <a:prstGeom prst="rect">
+            <a:avLst/>
+          </a:prstGeom>
+          <a:noFill/>
+          <a:ln w="12700">
+            <a:solidFill>
+              <a:schemeClr val="accent2"/>
+            </a:solidFill>
+          </a:ln>
+        </p:spPr>
+        <p:style>
+          <a:lnRef idx="2">
+            <a:schemeClr val="accent1">
+              <a:shade val="50000"/>
+            </a:schemeClr>
+          </a:lnRef>
+          <a:fillRef idx="1">
+            <a:schemeClr val="accent1"/>
+          </a:fillRef>
+          <a:effectRef idx="0">
+            <a:schemeClr val="accent1"/>
+          </a:effectRef>
+          <a:fontRef idx="minor">
+            <a:schemeClr val="lt1"/>
+          </a:fontRef>
+        </p:style>
+        <p:txBody>
+          <a:bodyPr rtlCol="0" anchor="ctr"/>
+          <a:lstStyle/>
+          <a:p>
+            <a:pPr algn="ctr"/>
+            <a:endParaRPr lang="en-US"/>
           </a:p>
         </p:txBody>
       </p:sp>
       <p:pic>
         <p:nvPicPr>
-          <p:cNvPr id="7" name="図 6">
+          <p:cNvPr id="7" name="図 6" descr="グラフ, ヒストグラム, 箱ひげ図&#10;&#10;AI によって生成されたコンテンツは間違っている可能性があります。">
             <a:extLst>
               <a:ext uri="{FF2B5EF4-FFF2-40B4-BE49-F238E27FC236}">
                 <a16:creationId xmlns:a16="http://schemas.microsoft.com/office/drawing/2014/main" id="{F589FB05-FB13-EB4E-D5CE-D1C8B709DA26}"/>
@@ -5746,8 +5960,8 @@
         </p:blipFill>
         <p:spPr>
           <a:xfrm>
-            <a:off x="6340502" y="2886075"/>
-            <a:ext cx="4618780" cy="3606800"/>
+            <a:off x="6583776" y="1502285"/>
+            <a:ext cx="4806120" cy="3748773"/>
           </a:xfrm>
           <a:prstGeom prst="rect">
             <a:avLst/>
@@ -5770,6 +5984,14 @@
 <file path=ppt/slides/slide5.xml><?xml version="1.0" encoding="utf-8"?>
 <p:sld xmlns:a="http://schemas.openxmlformats.org/drawingml/2006/main" xmlns:r="http://schemas.openxmlformats.org/officeDocument/2006/relationships" xmlns:p="http://schemas.openxmlformats.org/presentationml/2006/main">
   <p:cSld>
+    <p:bg>
+      <p:bgPr>
+        <a:solidFill>
+          <a:schemeClr val="bg1"/>
+        </a:solidFill>
+        <a:effectLst/>
+      </p:bgPr>
+    </p:bg>
     <p:spTree>
       <p:nvGrpSpPr>
         <p:cNvPr id="1" name=""/>
@@ -5786,104 +6008,345 @@
       </p:grpSpPr>
       <p:sp>
         <p:nvSpPr>
-          <p:cNvPr id="2" name="タイトル 1">
-            <a:extLst>
-              <a:ext uri="{FF2B5EF4-FFF2-40B4-BE49-F238E27FC236}">
-                <a16:creationId xmlns:a16="http://schemas.microsoft.com/office/drawing/2014/main" id="{C9911162-1E42-D10B-BEF5-D1E95F5E4E9A}"/>
-              </a:ext>
-            </a:extLst>
-          </p:cNvPr>
-          <p:cNvSpPr>
-            <a:spLocks noGrp="1"/>
-          </p:cNvSpPr>
-          <p:nvPr>
-            <p:ph type="title"/>
-          </p:nvPr>
-        </p:nvSpPr>
-        <p:spPr/>
-        <p:txBody>
-          <a:bodyPr/>
-          <a:lstStyle/>
-          <a:p>
-            <a:r>
-              <a:rPr kumimoji="1" lang="ja-JP" altLang="en-US" dirty="0"/>
-              <a:t>考察</a:t>
-            </a:r>
-          </a:p>
-        </p:txBody>
-      </p:sp>
-      <p:sp>
-        <p:nvSpPr>
-          <p:cNvPr id="6" name="テキスト ボックス 5">
-            <a:extLst>
-              <a:ext uri="{FF2B5EF4-FFF2-40B4-BE49-F238E27FC236}">
-                <a16:creationId xmlns:a16="http://schemas.microsoft.com/office/drawing/2014/main" id="{99A2A63D-6612-3D4F-F7A9-0F64014F60A2}"/>
-              </a:ext>
-            </a:extLst>
-          </p:cNvPr>
-          <p:cNvSpPr txBox="1"/>
-          <p:nvPr/>
+          <p:cNvPr id="15" name="Rectangle 14">
+            <a:extLst>
+              <a:ext uri="{FF2B5EF4-FFF2-40B4-BE49-F238E27FC236}">
+                <a16:creationId xmlns:a16="http://schemas.microsoft.com/office/drawing/2014/main" id="{E8A8EAB8-D2FF-444D-B34B-7D32F106AD0E}"/>
+              </a:ext>
+              <a:ext uri="{C183D7F6-B498-43B3-948B-1728B52AA6E4}">
+                <adec:decorative xmlns:adec="http://schemas.microsoft.com/office/drawing/2017/decorative" val="1"/>
+              </a:ext>
+            </a:extLst>
+          </p:cNvPr>
+          <p:cNvSpPr>
+            <a:spLocks noGrp="1" noRot="1" noChangeAspect="1" noMove="1" noResize="1" noEditPoints="1" noAdjustHandles="1" noChangeArrowheads="1" noChangeShapeType="1" noTextEdit="1"/>
+          </p:cNvSpPr>
+          <p:nvPr>
+            <p:extLst>
+              <p:ext uri="{386F3935-93C4-4BCD-93E2-E3B085C9AB24}">
+                <p16:designElem xmlns:p16="http://schemas.microsoft.com/office/powerpoint/2015/main" val="1"/>
+              </p:ext>
+            </p:extLst>
+          </p:nvPr>
         </p:nvSpPr>
         <p:spPr>
           <a:xfrm>
-            <a:off x="572493" y="1690688"/>
-            <a:ext cx="3140766" cy="3693319"/>
+            <a:off x="0" y="0"/>
+            <a:ext cx="12192000" cy="6858000"/>
           </a:xfrm>
           <a:prstGeom prst="rect">
             <a:avLst/>
           </a:prstGeom>
-          <a:noFill/>
+          <a:solidFill>
+            <a:schemeClr val="tx1">
+              <a:lumMod val="95000"/>
+              <a:lumOff val="5000"/>
+            </a:schemeClr>
+          </a:solidFill>
+          <a:ln>
+            <a:noFill/>
+          </a:ln>
         </p:spPr>
-        <p:txBody>
-          <a:bodyPr wrap="square" rtlCol="0">
-            <a:spAutoFit/>
+        <p:style>
+          <a:lnRef idx="2">
+            <a:schemeClr val="accent1">
+              <a:shade val="50000"/>
+            </a:schemeClr>
+          </a:lnRef>
+          <a:fillRef idx="1">
+            <a:schemeClr val="accent1"/>
+          </a:fillRef>
+          <a:effectRef idx="0">
+            <a:schemeClr val="accent1"/>
+          </a:effectRef>
+          <a:fontRef idx="minor">
+            <a:schemeClr val="lt1"/>
+          </a:fontRef>
+        </p:style>
+        <p:txBody>
+          <a:bodyPr rtlCol="0" anchor="ctr"/>
+          <a:lstStyle/>
+          <a:p>
+            <a:pPr algn="ctr"/>
+            <a:endParaRPr lang="en-US" dirty="0">
+              <a:solidFill>
+                <a:schemeClr val="bg1"/>
+              </a:solidFill>
+            </a:endParaRPr>
+          </a:p>
+        </p:txBody>
+      </p:sp>
+      <p:sp>
+        <p:nvSpPr>
+          <p:cNvPr id="2" name="タイトル 1">
+            <a:extLst>
+              <a:ext uri="{FF2B5EF4-FFF2-40B4-BE49-F238E27FC236}">
+                <a16:creationId xmlns:a16="http://schemas.microsoft.com/office/drawing/2014/main" id="{C9911162-1E42-D10B-BEF5-D1E95F5E4E9A}"/>
+              </a:ext>
+            </a:extLst>
+          </p:cNvPr>
+          <p:cNvSpPr>
+            <a:spLocks noGrp="1"/>
+          </p:cNvSpPr>
+          <p:nvPr>
+            <p:ph type="title"/>
+          </p:nvPr>
+        </p:nvSpPr>
+        <p:spPr>
+          <a:xfrm>
+            <a:off x="838200" y="448721"/>
+            <a:ext cx="4707671" cy="1225650"/>
+          </a:xfrm>
+        </p:spPr>
+        <p:txBody>
+          <a:bodyPr vert="horz" lIns="91440" tIns="45720" rIns="91440" bIns="45720" rtlCol="0" anchor="b">
+            <a:normAutofit/>
           </a:bodyPr>
           <a:lstStyle/>
           <a:p>
             <a:r>
-              <a:rPr kumimoji="1" lang="ja-JP" altLang="en-US" dirty="0"/>
+              <a:rPr kumimoji="1" lang="ja-JP" altLang="en-US" sz="3800" kern="1200">
+                <a:solidFill>
+                  <a:schemeClr val="bg1"/>
+                </a:solidFill>
+                <a:latin typeface="+mj-lt"/>
+                <a:ea typeface="+mj-ea"/>
+                <a:cs typeface="+mj-cs"/>
+              </a:rPr>
+              <a:t>考察</a:t>
+            </a:r>
+          </a:p>
+        </p:txBody>
+      </p:sp>
+      <p:cxnSp>
+        <p:nvCxnSpPr>
+          <p:cNvPr id="17" name="Straight Connector 16">
+            <a:extLst>
+              <a:ext uri="{FF2B5EF4-FFF2-40B4-BE49-F238E27FC236}">
+                <a16:creationId xmlns:a16="http://schemas.microsoft.com/office/drawing/2014/main" id="{EEA38897-7BA3-4408-8083-3235339C4A60}"/>
+              </a:ext>
+              <a:ext uri="{C183D7F6-B498-43B3-948B-1728B52AA6E4}">
+                <adec:decorative xmlns:adec="http://schemas.microsoft.com/office/drawing/2017/decorative" val="1"/>
+              </a:ext>
+            </a:extLst>
+          </p:cNvPr>
+          <p:cNvCxnSpPr>
+            <a:cxnSpLocks noGrp="1" noRot="1" noChangeAspect="1" noMove="1" noResize="1" noEditPoints="1" noAdjustHandles="1" noChangeArrowheads="1" noChangeShapeType="1"/>
+          </p:cNvCxnSpPr>
+          <p:nvPr>
+            <p:extLst>
+              <p:ext uri="{386F3935-93C4-4BCD-93E2-E3B085C9AB24}">
+                <p16:designElem xmlns:p16="http://schemas.microsoft.com/office/powerpoint/2015/main" val="1"/>
+              </p:ext>
+            </p:extLst>
+          </p:nvPr>
+        </p:nvCxnSpPr>
+        <p:spPr>
+          <a:xfrm flipH="1">
+            <a:off x="831873" y="1749756"/>
+            <a:ext cx="4718304" cy="0"/>
+          </a:xfrm>
+          <a:prstGeom prst="line">
+            <a:avLst/>
+          </a:prstGeom>
+          <a:ln w="12700">
+            <a:solidFill>
+              <a:schemeClr val="accent2"/>
+            </a:solidFill>
+          </a:ln>
+        </p:spPr>
+        <p:style>
+          <a:lnRef idx="1">
+            <a:schemeClr val="accent1"/>
+          </a:lnRef>
+          <a:fillRef idx="0">
+            <a:schemeClr val="accent1"/>
+          </a:fillRef>
+          <a:effectRef idx="0">
+            <a:schemeClr val="accent1"/>
+          </a:effectRef>
+          <a:fontRef idx="minor">
+            <a:schemeClr val="tx1"/>
+          </a:fontRef>
+        </p:style>
+      </p:cxnSp>
+      <p:sp>
+        <p:nvSpPr>
+          <p:cNvPr id="6" name="テキスト ボックス 5">
+            <a:extLst>
+              <a:ext uri="{FF2B5EF4-FFF2-40B4-BE49-F238E27FC236}">
+                <a16:creationId xmlns:a16="http://schemas.microsoft.com/office/drawing/2014/main" id="{99A2A63D-6612-3D4F-F7A9-0F64014F60A2}"/>
+              </a:ext>
+            </a:extLst>
+          </p:cNvPr>
+          <p:cNvSpPr txBox="1"/>
+          <p:nvPr/>
+        </p:nvSpPr>
+        <p:spPr>
+          <a:xfrm>
+            <a:off x="897769" y="1909192"/>
+            <a:ext cx="4586513" cy="3647710"/>
+          </a:xfrm>
+          <a:prstGeom prst="rect">
+            <a:avLst/>
+          </a:prstGeom>
+        </p:spPr>
+        <p:txBody>
+          <a:bodyPr vert="horz" lIns="91440" tIns="45720" rIns="91440" bIns="45720" rtlCol="0">
+            <a:normAutofit/>
+          </a:bodyPr>
+          <a:lstStyle/>
+          <a:p>
+            <a:pPr indent="-228600">
+              <a:lnSpc>
+                <a:spcPct val="90000"/>
+              </a:lnSpc>
+              <a:spcAft>
+                <a:spcPts val="600"/>
+              </a:spcAft>
+              <a:buFont typeface="Arial" panose="020B0604020202020204" pitchFamily="34" charset="0"/>
+              <a:buChar char="•"/>
+            </a:pPr>
+            <a:r>
+              <a:rPr kumimoji="1" lang="ja-JP" altLang="en-US" sz="2000">
+                <a:solidFill>
+                  <a:schemeClr val="bg1"/>
+                </a:solidFill>
+              </a:rPr>
               <a:t>階層型クラスタリングによって作られた</a:t>
             </a:r>
             <a:r>
-              <a:rPr lang="ja-JP" altLang="en-US" dirty="0"/>
+              <a:rPr lang="ja-JP" altLang="en-US" sz="2000">
+                <a:solidFill>
+                  <a:schemeClr val="bg1"/>
+                </a:solidFill>
+              </a:rPr>
               <a:t>クラスの内中くらいのサイズの</a:t>
             </a:r>
             <a:r>
-              <a:rPr lang="en-US" altLang="ja-JP" dirty="0"/>
+              <a:rPr lang="en-US" altLang="ja-JP" sz="2000">
+                <a:solidFill>
+                  <a:schemeClr val="bg1"/>
+                </a:solidFill>
+              </a:rPr>
               <a:t>4</a:t>
             </a:r>
             <a:r>
-              <a:rPr lang="ja-JP" altLang="en-US" dirty="0"/>
+              <a:rPr lang="ja-JP" altLang="en-US" sz="2000">
+                <a:solidFill>
+                  <a:schemeClr val="bg1"/>
+                </a:solidFill>
+              </a:rPr>
               <a:t>つを散布図上で可視化してみる。</a:t>
             </a:r>
             <a:r>
-              <a:rPr lang="en-US" altLang="ja-JP" dirty="0"/>
+              <a:rPr lang="en-US" altLang="ja-JP" sz="2000">
+                <a:solidFill>
+                  <a:schemeClr val="bg1"/>
+                </a:solidFill>
+              </a:rPr>
               <a:t>3</a:t>
             </a:r>
             <a:r>
-              <a:rPr lang="ja-JP" altLang="en-US" dirty="0"/>
+              <a:rPr lang="ja-JP" altLang="en-US" sz="2000">
+                <a:solidFill>
+                  <a:schemeClr val="bg1"/>
+                </a:solidFill>
+              </a:rPr>
               <a:t>番の白身フライは価格に対するカロリーが以上に高い外れ値のように見えるのに</a:t>
             </a:r>
             <a:r>
-              <a:rPr lang="en-US" altLang="ja-JP" dirty="0"/>
+              <a:rPr lang="en-US" altLang="ja-JP" sz="2000">
+                <a:solidFill>
+                  <a:schemeClr val="bg1"/>
+                </a:solidFill>
+              </a:rPr>
               <a:t>11,12</a:t>
             </a:r>
             <a:r>
-              <a:rPr lang="ja-JP" altLang="en-US" dirty="0"/>
+              <a:rPr lang="ja-JP" altLang="en-US" sz="2000">
+                <a:solidFill>
+                  <a:schemeClr val="bg1"/>
+                </a:solidFill>
+              </a:rPr>
               <a:t>という一般的な値と同じクラスになっていることに驚いた。今後の発展として</a:t>
             </a:r>
             <a:r>
-              <a:rPr lang="en-US" altLang="ja-JP" dirty="0"/>
+              <a:rPr lang="en-US" altLang="ja-JP" sz="2000">
+                <a:solidFill>
+                  <a:schemeClr val="bg1"/>
+                </a:solidFill>
+              </a:rPr>
               <a:t>Method argument</a:t>
             </a:r>
             <a:r>
-              <a:rPr lang="ja-JP" altLang="en-US" dirty="0"/>
+              <a:rPr lang="ja-JP" altLang="en-US" sz="2000">
+                <a:solidFill>
+                  <a:schemeClr val="bg1"/>
+                </a:solidFill>
+              </a:rPr>
               <a:t>を色々変えてみてどうなるかも試してみようと思う。</a:t>
             </a:r>
-            <a:endParaRPr lang="en-US" altLang="ja-JP" dirty="0"/>
-          </a:p>
-        </p:txBody>
-      </p:sp>
+            <a:endParaRPr lang="en-US" altLang="ja-JP" sz="2000">
+              <a:solidFill>
+                <a:schemeClr val="bg1"/>
+              </a:solidFill>
+            </a:endParaRPr>
+          </a:p>
+        </p:txBody>
+      </p:sp>
+      <p:cxnSp>
+        <p:nvCxnSpPr>
+          <p:cNvPr id="19" name="Straight Connector 18">
+            <a:extLst>
+              <a:ext uri="{FF2B5EF4-FFF2-40B4-BE49-F238E27FC236}">
+                <a16:creationId xmlns:a16="http://schemas.microsoft.com/office/drawing/2014/main" id="{F11AD06B-AB20-4097-8606-5DA00DBACE88}"/>
+              </a:ext>
+              <a:ext uri="{C183D7F6-B498-43B3-948B-1728B52AA6E4}">
+                <adec:decorative xmlns:adec="http://schemas.microsoft.com/office/drawing/2017/decorative" val="1"/>
+              </a:ext>
+            </a:extLst>
+          </p:cNvPr>
+          <p:cNvCxnSpPr>
+            <a:cxnSpLocks noGrp="1" noRot="1" noChangeAspect="1" noMove="1" noResize="1" noEditPoints="1" noAdjustHandles="1" noChangeArrowheads="1" noChangeShapeType="1"/>
+          </p:cNvCxnSpPr>
+          <p:nvPr>
+            <p:extLst>
+              <p:ext uri="{386F3935-93C4-4BCD-93E2-E3B085C9AB24}">
+                <p16:designElem xmlns:p16="http://schemas.microsoft.com/office/powerpoint/2015/main" val="1"/>
+              </p:ext>
+            </p:extLst>
+          </p:nvPr>
+        </p:nvCxnSpPr>
+        <p:spPr>
+          <a:xfrm flipH="1">
+            <a:off x="834027" y="5707672"/>
+            <a:ext cx="4713997" cy="0"/>
+          </a:xfrm>
+          <a:prstGeom prst="line">
+            <a:avLst/>
+          </a:prstGeom>
+          <a:ln w="12700">
+            <a:solidFill>
+              <a:schemeClr val="accent2"/>
+            </a:solidFill>
+          </a:ln>
+        </p:spPr>
+        <p:style>
+          <a:lnRef idx="1">
+            <a:schemeClr val="accent1"/>
+          </a:lnRef>
+          <a:fillRef idx="0">
+            <a:schemeClr val="accent1"/>
+          </a:fillRef>
+          <a:effectRef idx="0">
+            <a:schemeClr val="accent1"/>
+          </a:effectRef>
+          <a:fontRef idx="minor">
+            <a:schemeClr val="tx1"/>
+          </a:fontRef>
+        </p:style>
+      </p:cxnSp>
       <p:pic>
         <p:nvPicPr>
           <p:cNvPr id="10" name="図 9">
@@ -5906,8 +6369,8 @@
         </p:blipFill>
         <p:spPr>
           <a:xfrm>
-            <a:off x="5213363" y="1747091"/>
-            <a:ext cx="5438775" cy="4333875"/>
+            <a:off x="6525453" y="1169465"/>
+            <a:ext cx="5666547" cy="4519070"/>
           </a:xfrm>
           <a:prstGeom prst="rect">
             <a:avLst/>
